--- a/MicrosoftTeams-Admin.pptx
+++ b/MicrosoftTeams-Admin.pptx
@@ -22,8 +22,8 @@
     <p:sldId id="11666" r:id="rId13"/>
     <p:sldId id="11669" r:id="rId14"/>
     <p:sldId id="2076137811" r:id="rId15"/>
-    <p:sldId id="11668" r:id="rId16"/>
-    <p:sldId id="11667" r:id="rId17"/>
+    <p:sldId id="2076137813" r:id="rId16"/>
+    <p:sldId id="2076137814" r:id="rId17"/>
     <p:sldId id="2076137812" r:id="rId18"/>
     <p:sldId id="320" r:id="rId19"/>
     <p:sldId id="321" r:id="rId20"/>
@@ -219,7 +219,7 @@
           <a:p>
             <a:fld id="{F8F7E297-09DF-4D8D-8050-12EDAE474E07}" type="datetimeFigureOut">
               <a:rPr lang="en-GB" smtClean="0"/>
-              <a:t>27/05/2020</a:t>
+              <a:t>28/05/2020</a:t>
             </a:fld>
             <a:endParaRPr lang="en-GB"/>
           </a:p>
@@ -761,7 +761,7 @@
           <a:p>
             <a:fld id="{D18B56EA-E28F-4F92-9F16-7A6F2501B303}" type="datetime8">
               <a:rPr lang="en-US" smtClean="0"/>
-              <a:t>5/27/2020 3:15 AM</a:t>
+              <a:t>5/28/2020 2:13 AM</a:t>
             </a:fld>
             <a:endParaRPr lang="en-US"/>
           </a:p>
@@ -903,7 +903,7 @@
     </p:spTree>
     <p:extLst>
       <p:ext uri="{BB962C8B-B14F-4D97-AF65-F5344CB8AC3E}">
-        <p14:creationId xmlns:p14="http://schemas.microsoft.com/office/powerpoint/2010/main" val="3219418768"/>
+        <p14:creationId xmlns:p14="http://schemas.microsoft.com/office/powerpoint/2010/main" val="1070978297"/>
       </p:ext>
     </p:extLst>
   </p:cSld>
@@ -1224,7 +1224,7 @@
                 <a:tabLst/>
                 <a:defRPr/>
               </a:pPr>
-              <a:t>5/27/2020 3:23 AM</a:t>
+              <a:t>5/28/2020 2:13 AM</a:t>
             </a:fld>
             <a:endParaRPr kumimoji="0" lang="en-US" sz="1800" b="0" i="0" u="none" strike="noStrike" kern="0" cap="none" spc="0" normalizeH="0" baseline="0" noProof="0">
               <a:ln>
@@ -1721,7 +1721,7 @@
                 <a:tabLst/>
                 <a:defRPr/>
               </a:pPr>
-              <a:t>5/27/2020 3:23 AM</a:t>
+              <a:t>5/28/2020 2:13 AM</a:t>
             </a:fld>
             <a:endParaRPr kumimoji="0" lang="en-US" sz="1800" b="0" i="0" u="none" strike="noStrike" kern="0" cap="none" spc="0" normalizeH="0" baseline="0" noProof="0">
               <a:ln>
@@ -2126,7 +2126,7 @@
           <a:p>
             <a:fld id="{D18B56EA-E28F-4F92-9F16-7A6F2501B303}" type="datetime8">
               <a:rPr lang="en-US" smtClean="0"/>
-              <a:t>5/27/2020 3:23 AM</a:t>
+              <a:t>5/28/2020 2:13 AM</a:t>
             </a:fld>
             <a:endParaRPr lang="en-US"/>
           </a:p>
@@ -2700,7 +2700,7 @@
           <a:p>
             <a:fld id="{D18B56EA-E28F-4F92-9F16-7A6F2501B303}" type="datetime8">
               <a:rPr lang="en-US" smtClean="0"/>
-              <a:t>5/27/2020 1:38 AM</a:t>
+              <a:t>5/28/2020 2:13 AM</a:t>
             </a:fld>
             <a:endParaRPr lang="en-US"/>
           </a:p>
@@ -2873,7 +2873,7 @@
           <a:p>
             <a:fld id="{D18B56EA-E28F-4F92-9F16-7A6F2501B303}" type="datetime8">
               <a:rPr lang="en-US" smtClean="0"/>
-              <a:t>5/27/2020 3:13 AM</a:t>
+              <a:t>5/28/2020 2:13 AM</a:t>
             </a:fld>
             <a:endParaRPr lang="en-US"/>
           </a:p>
@@ -3634,7 +3634,7 @@
           <a:p>
             <a:fld id="{C1463FF3-2FA5-4DCA-A18C-795FC08000F9}" type="datetimeFigureOut">
               <a:rPr lang="en-GB" smtClean="0"/>
-              <a:t>27/05/2020</a:t>
+              <a:t>28/05/2020</a:t>
             </a:fld>
             <a:endParaRPr lang="en-GB"/>
           </a:p>
@@ -3834,7 +3834,7 @@
           <a:p>
             <a:fld id="{C1463FF3-2FA5-4DCA-A18C-795FC08000F9}" type="datetimeFigureOut">
               <a:rPr lang="en-GB" smtClean="0"/>
-              <a:t>27/05/2020</a:t>
+              <a:t>28/05/2020</a:t>
             </a:fld>
             <a:endParaRPr lang="en-GB"/>
           </a:p>
@@ -4044,7 +4044,7 @@
           <a:p>
             <a:fld id="{C1463FF3-2FA5-4DCA-A18C-795FC08000F9}" type="datetimeFigureOut">
               <a:rPr lang="en-GB" smtClean="0"/>
-              <a:t>27/05/2020</a:t>
+              <a:t>28/05/2020</a:t>
             </a:fld>
             <a:endParaRPr lang="en-GB"/>
           </a:p>
@@ -4555,7 +4555,7 @@
           <a:p>
             <a:fld id="{793CBFFF-679B-4BE9-9DC5-54D20F4DE911}" type="datetimeFigureOut">
               <a:rPr lang="en-IN" smtClean="0"/>
-              <a:t>27-05-2020</a:t>
+              <a:t>28-05-2020</a:t>
             </a:fld>
             <a:endParaRPr lang="en-IN"/>
           </a:p>
@@ -4801,7 +4801,7 @@
           <a:p>
             <a:fld id="{793CBFFF-679B-4BE9-9DC5-54D20F4DE911}" type="datetimeFigureOut">
               <a:rPr lang="en-IN" smtClean="0"/>
-              <a:t>27-05-2020</a:t>
+              <a:t>28-05-2020</a:t>
             </a:fld>
             <a:endParaRPr lang="en-IN"/>
           </a:p>
@@ -5033,7 +5033,7 @@
           <a:p>
             <a:fld id="{793CBFFF-679B-4BE9-9DC5-54D20F4DE911}" type="datetimeFigureOut">
               <a:rPr lang="en-IN" smtClean="0"/>
-              <a:t>27-05-2020</a:t>
+              <a:t>28-05-2020</a:t>
             </a:fld>
             <a:endParaRPr lang="en-IN"/>
           </a:p>
@@ -5400,7 +5400,7 @@
           <a:p>
             <a:fld id="{793CBFFF-679B-4BE9-9DC5-54D20F4DE911}" type="datetimeFigureOut">
               <a:rPr lang="en-IN" smtClean="0"/>
-              <a:t>27-05-2020</a:t>
+              <a:t>28-05-2020</a:t>
             </a:fld>
             <a:endParaRPr lang="en-IN"/>
           </a:p>
@@ -5518,7 +5518,7 @@
           <a:p>
             <a:fld id="{793CBFFF-679B-4BE9-9DC5-54D20F4DE911}" type="datetimeFigureOut">
               <a:rPr lang="en-IN" smtClean="0"/>
-              <a:t>27-05-2020</a:t>
+              <a:t>28-05-2020</a:t>
             </a:fld>
             <a:endParaRPr lang="en-IN"/>
           </a:p>
@@ -5706,7 +5706,7 @@
           <a:p>
             <a:fld id="{C1463FF3-2FA5-4DCA-A18C-795FC08000F9}" type="datetimeFigureOut">
               <a:rPr lang="en-GB" smtClean="0"/>
-              <a:t>27/05/2020</a:t>
+              <a:t>28/05/2020</a:t>
             </a:fld>
             <a:endParaRPr lang="en-GB"/>
           </a:p>
@@ -5813,7 +5813,7 @@
           <a:p>
             <a:fld id="{793CBFFF-679B-4BE9-9DC5-54D20F4DE911}" type="datetimeFigureOut">
               <a:rPr lang="en-IN" smtClean="0"/>
-              <a:t>27-05-2020</a:t>
+              <a:t>28-05-2020</a:t>
             </a:fld>
             <a:endParaRPr lang="en-IN"/>
           </a:p>
@@ -6090,7 +6090,7 @@
           <a:p>
             <a:fld id="{793CBFFF-679B-4BE9-9DC5-54D20F4DE911}" type="datetimeFigureOut">
               <a:rPr lang="en-IN" smtClean="0"/>
-              <a:t>27-05-2020</a:t>
+              <a:t>28-05-2020</a:t>
             </a:fld>
             <a:endParaRPr lang="en-IN"/>
           </a:p>
@@ -6343,7 +6343,7 @@
           <a:p>
             <a:fld id="{793CBFFF-679B-4BE9-9DC5-54D20F4DE911}" type="datetimeFigureOut">
               <a:rPr lang="en-IN" smtClean="0"/>
-              <a:t>27-05-2020</a:t>
+              <a:t>28-05-2020</a:t>
             </a:fld>
             <a:endParaRPr lang="en-IN"/>
           </a:p>
@@ -6513,7 +6513,7 @@
           <a:p>
             <a:fld id="{793CBFFF-679B-4BE9-9DC5-54D20F4DE911}" type="datetimeFigureOut">
               <a:rPr lang="en-IN" smtClean="0"/>
-              <a:t>27-05-2020</a:t>
+              <a:t>28-05-2020</a:t>
             </a:fld>
             <a:endParaRPr lang="en-IN"/>
           </a:p>
@@ -6693,7 +6693,7 @@
           <a:p>
             <a:fld id="{793CBFFF-679B-4BE9-9DC5-54D20F4DE911}" type="datetimeFigureOut">
               <a:rPr lang="en-IN" smtClean="0"/>
-              <a:t>27-05-2020</a:t>
+              <a:t>28-05-2020</a:t>
             </a:fld>
             <a:endParaRPr lang="en-IN"/>
           </a:p>
@@ -7760,7 +7760,7 @@
           <a:p>
             <a:fld id="{1D8BD707-D9CF-40AE-B4C6-C98DA3205C09}" type="datetimeFigureOut">
               <a:rPr lang="en-US"/>
-              <a:t>5/27/2020</a:t>
+              <a:t>5/28/2020</a:t>
             </a:fld>
             <a:endParaRPr lang="en-US"/>
           </a:p>
@@ -8014,7 +8014,7 @@
           <a:p>
             <a:fld id="{C1463FF3-2FA5-4DCA-A18C-795FC08000F9}" type="datetimeFigureOut">
               <a:rPr lang="en-GB" smtClean="0"/>
-              <a:t>27/05/2020</a:t>
+              <a:t>28/05/2020</a:t>
             </a:fld>
             <a:endParaRPr lang="en-GB"/>
           </a:p>
@@ -10017,7 +10017,7 @@
           <a:p>
             <a:fld id="{C1463FF3-2FA5-4DCA-A18C-795FC08000F9}" type="datetimeFigureOut">
               <a:rPr lang="en-GB" smtClean="0"/>
-              <a:t>27/05/2020</a:t>
+              <a:t>28/05/2020</a:t>
             </a:fld>
             <a:endParaRPr lang="en-GB"/>
           </a:p>
@@ -10506,7 +10506,7 @@
                 </a:solidFill>
               </a:rPr>
               <a:pPr/>
-              <a:t>5/27/2020</a:t>
+              <a:t>5/28/2020</a:t>
             </a:fld>
             <a:endParaRPr>
               <a:solidFill>
@@ -10853,7 +10853,7 @@
           <a:p>
             <a:fld id="{C1463FF3-2FA5-4DCA-A18C-795FC08000F9}" type="datetimeFigureOut">
               <a:rPr lang="en-GB" smtClean="0"/>
-              <a:t>27/05/2020</a:t>
+              <a:t>28/05/2020</a:t>
             </a:fld>
             <a:endParaRPr lang="en-GB"/>
           </a:p>
@@ -11053,7 +11053,7 @@
           <a:p>
             <a:fld id="{C1463FF3-2FA5-4DCA-A18C-795FC08000F9}" type="datetimeFigureOut">
               <a:rPr lang="en-GB" smtClean="0"/>
-              <a:t>27/05/2020</a:t>
+              <a:t>28/05/2020</a:t>
             </a:fld>
             <a:endParaRPr lang="en-GB"/>
           </a:p>
@@ -11329,7 +11329,7 @@
           <a:p>
             <a:fld id="{C1463FF3-2FA5-4DCA-A18C-795FC08000F9}" type="datetimeFigureOut">
               <a:rPr lang="en-GB" smtClean="0"/>
-              <a:t>27/05/2020</a:t>
+              <a:t>28/05/2020</a:t>
             </a:fld>
             <a:endParaRPr lang="en-GB"/>
           </a:p>
@@ -11597,7 +11597,7 @@
           <a:p>
             <a:fld id="{C1463FF3-2FA5-4DCA-A18C-795FC08000F9}" type="datetimeFigureOut">
               <a:rPr lang="en-GB" smtClean="0"/>
-              <a:t>27/05/2020</a:t>
+              <a:t>28/05/2020</a:t>
             </a:fld>
             <a:endParaRPr lang="en-GB"/>
           </a:p>
@@ -12012,7 +12012,7 @@
           <a:p>
             <a:fld id="{C1463FF3-2FA5-4DCA-A18C-795FC08000F9}" type="datetimeFigureOut">
               <a:rPr lang="en-GB" smtClean="0"/>
-              <a:t>27/05/2020</a:t>
+              <a:t>28/05/2020</a:t>
             </a:fld>
             <a:endParaRPr lang="en-GB"/>
           </a:p>
@@ -12154,7 +12154,7 @@
           <a:p>
             <a:fld id="{C1463FF3-2FA5-4DCA-A18C-795FC08000F9}" type="datetimeFigureOut">
               <a:rPr lang="en-GB" smtClean="0"/>
-              <a:t>27/05/2020</a:t>
+              <a:t>28/05/2020</a:t>
             </a:fld>
             <a:endParaRPr lang="en-GB"/>
           </a:p>
@@ -12267,7 +12267,7 @@
           <a:p>
             <a:fld id="{C1463FF3-2FA5-4DCA-A18C-795FC08000F9}" type="datetimeFigureOut">
               <a:rPr lang="en-GB" smtClean="0"/>
-              <a:t>27/05/2020</a:t>
+              <a:t>28/05/2020</a:t>
             </a:fld>
             <a:endParaRPr lang="en-GB"/>
           </a:p>
@@ -12682,7 +12682,7 @@
           <a:p>
             <a:fld id="{C1463FF3-2FA5-4DCA-A18C-795FC08000F9}" type="datetimeFigureOut">
               <a:rPr lang="en-GB" smtClean="0"/>
-              <a:t>27/05/2020</a:t>
+              <a:t>28/05/2020</a:t>
             </a:fld>
             <a:endParaRPr lang="en-GB"/>
           </a:p>
@@ -12995,7 +12995,7 @@
           <a:p>
             <a:fld id="{C1463FF3-2FA5-4DCA-A18C-795FC08000F9}" type="datetimeFigureOut">
               <a:rPr lang="en-GB" smtClean="0"/>
-              <a:t>27/05/2020</a:t>
+              <a:t>28/05/2020</a:t>
             </a:fld>
             <a:endParaRPr lang="en-GB"/>
           </a:p>
@@ -13284,7 +13284,7 @@
           <a:p>
             <a:fld id="{C1463FF3-2FA5-4DCA-A18C-795FC08000F9}" type="datetimeFigureOut">
               <a:rPr lang="en-GB" smtClean="0"/>
-              <a:t>27/05/2020</a:t>
+              <a:t>28/05/2020</a:t>
             </a:fld>
             <a:endParaRPr lang="en-GB"/>
           </a:p>
@@ -13484,7 +13484,7 @@
           <a:p>
             <a:fld id="{C1463FF3-2FA5-4DCA-A18C-795FC08000F9}" type="datetimeFigureOut">
               <a:rPr lang="en-GB" smtClean="0"/>
-              <a:t>27/05/2020</a:t>
+              <a:t>28/05/2020</a:t>
             </a:fld>
             <a:endParaRPr lang="en-GB"/>
           </a:p>
@@ -13694,7 +13694,7 @@
           <a:p>
             <a:fld id="{C1463FF3-2FA5-4DCA-A18C-795FC08000F9}" type="datetimeFigureOut">
               <a:rPr lang="en-GB" smtClean="0"/>
-              <a:t>27/05/2020</a:t>
+              <a:t>28/05/2020</a:t>
             </a:fld>
             <a:endParaRPr lang="en-GB"/>
           </a:p>
@@ -15080,7 +15080,7 @@
           <a:p>
             <a:fld id="{C1463FF3-2FA5-4DCA-A18C-795FC08000F9}" type="datetimeFigureOut">
               <a:rPr lang="en-GB" smtClean="0"/>
-              <a:t>27/05/2020</a:t>
+              <a:t>28/05/2020</a:t>
             </a:fld>
             <a:endParaRPr lang="en-GB"/>
           </a:p>
@@ -15193,7 +15193,7 @@
           <a:p>
             <a:fld id="{C1463FF3-2FA5-4DCA-A18C-795FC08000F9}" type="datetimeFigureOut">
               <a:rPr lang="en-GB" smtClean="0"/>
-              <a:t>27/05/2020</a:t>
+              <a:t>28/05/2020</a:t>
             </a:fld>
             <a:endParaRPr lang="en-GB"/>
           </a:p>
@@ -15506,7 +15506,7 @@
           <a:p>
             <a:fld id="{C1463FF3-2FA5-4DCA-A18C-795FC08000F9}" type="datetimeFigureOut">
               <a:rPr lang="en-GB" smtClean="0"/>
-              <a:t>27/05/2020</a:t>
+              <a:t>28/05/2020</a:t>
             </a:fld>
             <a:endParaRPr lang="en-GB"/>
           </a:p>
@@ -15795,7 +15795,7 @@
           <a:p>
             <a:fld id="{C1463FF3-2FA5-4DCA-A18C-795FC08000F9}" type="datetimeFigureOut">
               <a:rPr lang="en-GB" smtClean="0"/>
-              <a:t>27/05/2020</a:t>
+              <a:t>28/05/2020</a:t>
             </a:fld>
             <a:endParaRPr lang="en-GB"/>
           </a:p>
@@ -16038,7 +16038,7 @@
           <a:p>
             <a:fld id="{C1463FF3-2FA5-4DCA-A18C-795FC08000F9}" type="datetimeFigureOut">
               <a:rPr lang="en-GB" smtClean="0"/>
-              <a:t>27/05/2020</a:t>
+              <a:t>28/05/2020</a:t>
             </a:fld>
             <a:endParaRPr lang="en-GB"/>
           </a:p>
@@ -16592,7 +16592,7 @@
           <a:p>
             <a:fld id="{793CBFFF-679B-4BE9-9DC5-54D20F4DE911}" type="datetimeFigureOut">
               <a:rPr lang="en-IN" smtClean="0"/>
-              <a:t>27-05-2020</a:t>
+              <a:t>28-05-2020</a:t>
             </a:fld>
             <a:endParaRPr lang="en-IN"/>
           </a:p>
@@ -17168,7 +17168,7 @@
           <a:p>
             <a:fld id="{C1463FF3-2FA5-4DCA-A18C-795FC08000F9}" type="datetimeFigureOut">
               <a:rPr lang="en-GB" smtClean="0"/>
-              <a:t>27/05/2020</a:t>
+              <a:t>28/05/2020</a:t>
             </a:fld>
             <a:endParaRPr lang="en-GB"/>
           </a:p>
@@ -20177,6 +20177,115 @@
   <p:cSld>
     <p:spTree>
       <p:nvGrpSpPr>
+        <p:cNvPr id="1" name="Shape 53"/>
+        <p:cNvGrpSpPr/>
+        <p:nvPr/>
+      </p:nvGrpSpPr>
+      <p:grpSpPr>
+        <a:xfrm>
+          <a:off x="0" y="0"/>
+          <a:ext cx="0" cy="0"/>
+          <a:chOff x="0" y="0"/>
+          <a:chExt cx="0" cy="0"/>
+        </a:xfrm>
+      </p:grpSpPr>
+      <p:sp>
+        <p:nvSpPr>
+          <p:cNvPr id="6" name="TextBox 5"/>
+          <p:cNvSpPr txBox="1"/>
+          <p:nvPr/>
+        </p:nvSpPr>
+        <p:spPr>
+          <a:xfrm>
+            <a:off x="0" y="2967335"/>
+            <a:ext cx="5359182" cy="707886"/>
+          </a:xfrm>
+          <a:prstGeom prst="rect">
+            <a:avLst/>
+          </a:prstGeom>
+          <a:noFill/>
+        </p:spPr>
+        <p:txBody>
+          <a:bodyPr wrap="square" rtlCol="0">
+            <a:spAutoFit/>
+          </a:bodyPr>
+          <a:lstStyle/>
+          <a:p>
+            <a:pPr lvl="0" algn="ctr"/>
+            <a:r>
+              <a:rPr lang="en-AU" sz="4000" b="1" dirty="0">
+                <a:solidFill>
+                  <a:srgbClr val="124548"/>
+                </a:solidFill>
+                <a:cs typeface="Segoe UI" panose="020B0502040204020203" pitchFamily="34" charset="0"/>
+              </a:rPr>
+              <a:t>Microsoft Teams License</a:t>
+            </a:r>
+            <a:endParaRPr lang="en-US" sz="4000" b="1" dirty="0">
+              <a:solidFill>
+                <a:srgbClr val="124548"/>
+              </a:solidFill>
+              <a:cs typeface="Segoe UI" panose="020B0502040204020203" pitchFamily="34" charset="0"/>
+            </a:endParaRPr>
+          </a:p>
+        </p:txBody>
+      </p:sp>
+      <p:pic>
+        <p:nvPicPr>
+          <p:cNvPr id="2" name="Picture 1">
+            <a:extLst>
+              <a:ext uri="{FF2B5EF4-FFF2-40B4-BE49-F238E27FC236}">
+                <a16:creationId xmlns:a16="http://schemas.microsoft.com/office/drawing/2014/main" id="{D4080B76-5D05-4154-8F74-1665C1362EA3}"/>
+              </a:ext>
+            </a:extLst>
+          </p:cNvPr>
+          <p:cNvPicPr>
+            <a:picLocks noChangeAspect="1"/>
+          </p:cNvPicPr>
+          <p:nvPr/>
+        </p:nvPicPr>
+        <p:blipFill>
+          <a:blip r:embed="rId3"/>
+          <a:stretch>
+            <a:fillRect/>
+          </a:stretch>
+        </p:blipFill>
+        <p:spPr>
+          <a:xfrm>
+            <a:off x="6096000" y="2287859"/>
+            <a:ext cx="5838197" cy="2282282"/>
+          </a:xfrm>
+          <a:prstGeom prst="rect">
+            <a:avLst/>
+          </a:prstGeom>
+        </p:spPr>
+      </p:pic>
+    </p:spTree>
+    <p:extLst>
+      <p:ext uri="{BB962C8B-B14F-4D97-AF65-F5344CB8AC3E}">
+        <p14:creationId xmlns:p14="http://schemas.microsoft.com/office/powerpoint/2010/main" val="2682162347"/>
+      </p:ext>
+    </p:extLst>
+  </p:cSld>
+  <p:clrMapOvr>
+    <a:masterClrMapping/>
+  </p:clrMapOvr>
+</p:sld>
+</file>
+
+<file path=ppt/slides/slide14.xml><?xml version="1.0" encoding="utf-8"?>
+<p:sld xmlns:a="http://schemas.openxmlformats.org/drawingml/2006/main" xmlns:r="http://schemas.openxmlformats.org/officeDocument/2006/relationships" xmlns:p="http://schemas.openxmlformats.org/presentationml/2006/main">
+  <p:cSld>
+    <p:bg>
+      <p:bgPr>
+        <a:solidFill>
+          <a:schemeClr val="bg1"/>
+        </a:solidFill>
+        <a:effectLst/>
+      </p:bgPr>
+    </p:bg>
+    <p:spTree>
+      <p:nvGrpSpPr>
         <p:cNvPr id="1" name=""/>
         <p:cNvGrpSpPr/>
         <p:nvPr/>
@@ -20189,163 +20298,656 @@
           <a:chExt cx="0" cy="0"/>
         </a:xfrm>
       </p:grpSpPr>
+      <p:sp>
+        <p:nvSpPr>
+          <p:cNvPr id="7" name="Rectangle 6">
+            <a:extLst>
+              <a:ext uri="{FF2B5EF4-FFF2-40B4-BE49-F238E27FC236}">
+                <a16:creationId xmlns:a16="http://schemas.microsoft.com/office/drawing/2014/main" id="{F3060C83-F051-4F0E-ABAD-AA0DFC48B218}"/>
+              </a:ext>
+              <a:ext uri="{C183D7F6-B498-43B3-948B-1728B52AA6E4}">
+                <adec:decorative xmlns:adec="http://schemas.microsoft.com/office/drawing/2017/decorative" val="1"/>
+              </a:ext>
+            </a:extLst>
+          </p:cNvPr>
+          <p:cNvSpPr>
+            <a:spLocks noGrp="1" noRot="1" noChangeAspect="1" noMove="1" noResize="1" noEditPoints="1" noAdjustHandles="1" noChangeArrowheads="1" noChangeShapeType="1" noTextEdit="1"/>
+          </p:cNvSpPr>
+          <p:nvPr>
+            <p:extLst>
+              <p:ext uri="{386F3935-93C4-4BCD-93E2-E3B085C9AB24}">
+                <p16:designElem xmlns:p16="http://schemas.microsoft.com/office/powerpoint/2015/main" val="1"/>
+              </p:ext>
+            </p:extLst>
+          </p:nvPr>
+        </p:nvSpPr>
+        <p:spPr>
+          <a:xfrm>
+            <a:off x="0" y="0"/>
+            <a:ext cx="12192000" cy="6858000"/>
+          </a:xfrm>
+          <a:prstGeom prst="rect">
+            <a:avLst/>
+          </a:prstGeom>
+          <a:solidFill>
+            <a:schemeClr val="bg1"/>
+          </a:solidFill>
+          <a:ln>
+            <a:noFill/>
+          </a:ln>
+        </p:spPr>
+        <p:style>
+          <a:lnRef idx="2">
+            <a:schemeClr val="accent1">
+              <a:shade val="50000"/>
+            </a:schemeClr>
+          </a:lnRef>
+          <a:fillRef idx="1">
+            <a:schemeClr val="accent1"/>
+          </a:fillRef>
+          <a:effectRef idx="0">
+            <a:schemeClr val="accent1"/>
+          </a:effectRef>
+          <a:fontRef idx="minor">
+            <a:schemeClr val="lt1"/>
+          </a:fontRef>
+        </p:style>
+        <p:txBody>
+          <a:bodyPr rtlCol="0" anchor="ctr"/>
+          <a:lstStyle/>
+          <a:p>
+            <a:pPr algn="ctr"/>
+            <a:endParaRPr lang="en-US" dirty="0"/>
+          </a:p>
+        </p:txBody>
+      </p:sp>
+      <p:sp>
+        <p:nvSpPr>
+          <p:cNvPr id="9" name="Freeform: Shape 8">
+            <a:extLst>
+              <a:ext uri="{FF2B5EF4-FFF2-40B4-BE49-F238E27FC236}">
+                <a16:creationId xmlns:a16="http://schemas.microsoft.com/office/drawing/2014/main" id="{83C98ABE-055B-441F-B07E-44F97F083C39}"/>
+              </a:ext>
+              <a:ext uri="{C183D7F6-B498-43B3-948B-1728B52AA6E4}">
+                <adec:decorative xmlns:adec="http://schemas.microsoft.com/office/drawing/2017/decorative" val="1"/>
+              </a:ext>
+            </a:extLst>
+          </p:cNvPr>
+          <p:cNvSpPr>
+            <a:spLocks noGrp="1" noRot="1" noChangeAspect="1" noMove="1" noResize="1" noEditPoints="1" noAdjustHandles="1" noChangeArrowheads="1" noChangeShapeType="1" noTextEdit="1"/>
+          </p:cNvSpPr>
+          <p:nvPr>
+            <p:extLst>
+              <p:ext uri="{386F3935-93C4-4BCD-93E2-E3B085C9AB24}">
+                <p16:designElem xmlns:p16="http://schemas.microsoft.com/office/powerpoint/2015/main" val="1"/>
+              </p:ext>
+            </p:extLst>
+          </p:nvPr>
+        </p:nvSpPr>
+        <p:spPr>
+          <a:xfrm rot="18900000" flipH="1">
+            <a:off x="-376156" y="-253670"/>
+            <a:ext cx="1827638" cy="1376989"/>
+          </a:xfrm>
+          <a:custGeom>
+            <a:avLst/>
+            <a:gdLst>
+              <a:gd name="connsiteX0" fmla="*/ 0 w 1827638"/>
+              <a:gd name="connsiteY0" fmla="*/ 987379 h 1376989"/>
+              <a:gd name="connsiteX1" fmla="*/ 987379 w 1827638"/>
+              <a:gd name="connsiteY1" fmla="*/ 0 h 1376989"/>
+              <a:gd name="connsiteX2" fmla="*/ 1827638 w 1827638"/>
+              <a:gd name="connsiteY2" fmla="*/ 840260 h 1376989"/>
+              <a:gd name="connsiteX3" fmla="*/ 1827638 w 1827638"/>
+              <a:gd name="connsiteY3" fmla="*/ 1376989 h 1376989"/>
+              <a:gd name="connsiteX4" fmla="*/ 0 w 1827638"/>
+              <a:gd name="connsiteY4" fmla="*/ 1376989 h 1376989"/>
+            </a:gdLst>
+            <a:ahLst/>
+            <a:cxnLst>
+              <a:cxn ang="0">
+                <a:pos x="connsiteX0" y="connsiteY0"/>
+              </a:cxn>
+              <a:cxn ang="0">
+                <a:pos x="connsiteX1" y="connsiteY1"/>
+              </a:cxn>
+              <a:cxn ang="0">
+                <a:pos x="connsiteX2" y="connsiteY2"/>
+              </a:cxn>
+              <a:cxn ang="0">
+                <a:pos x="connsiteX3" y="connsiteY3"/>
+              </a:cxn>
+              <a:cxn ang="0">
+                <a:pos x="connsiteX4" y="connsiteY4"/>
+              </a:cxn>
+            </a:cxnLst>
+            <a:rect l="l" t="t" r="r" b="b"/>
+            <a:pathLst>
+              <a:path w="1827638" h="1376989">
+                <a:moveTo>
+                  <a:pt x="0" y="987379"/>
+                </a:moveTo>
+                <a:lnTo>
+                  <a:pt x="987379" y="0"/>
+                </a:lnTo>
+                <a:lnTo>
+                  <a:pt x="1827638" y="840260"/>
+                </a:lnTo>
+                <a:lnTo>
+                  <a:pt x="1827638" y="1376989"/>
+                </a:lnTo>
+                <a:lnTo>
+                  <a:pt x="0" y="1376989"/>
+                </a:lnTo>
+                <a:close/>
+              </a:path>
+            </a:pathLst>
+          </a:custGeom>
+          <a:solidFill>
+            <a:schemeClr val="accent1">
+              <a:alpha val="30000"/>
+            </a:schemeClr>
+          </a:solidFill>
+          <a:ln>
+            <a:noFill/>
+          </a:ln>
+        </p:spPr>
+        <p:style>
+          <a:lnRef idx="2">
+            <a:schemeClr val="accent1">
+              <a:shade val="50000"/>
+            </a:schemeClr>
+          </a:lnRef>
+          <a:fillRef idx="1">
+            <a:schemeClr val="accent1"/>
+          </a:fillRef>
+          <a:effectRef idx="0">
+            <a:schemeClr val="accent1"/>
+          </a:effectRef>
+          <a:fontRef idx="minor">
+            <a:schemeClr val="lt1"/>
+          </a:fontRef>
+        </p:style>
+        <p:txBody>
+          <a:bodyPr rtlCol="0" anchor="ctr"/>
+          <a:lstStyle/>
+          <a:p>
+            <a:pPr algn="ctr"/>
+            <a:endParaRPr lang="en-US" dirty="0"/>
+          </a:p>
+        </p:txBody>
+      </p:sp>
+      <p:sp>
+        <p:nvSpPr>
+          <p:cNvPr id="11" name="Rectangle 10">
+            <a:extLst>
+              <a:ext uri="{FF2B5EF4-FFF2-40B4-BE49-F238E27FC236}">
+                <a16:creationId xmlns:a16="http://schemas.microsoft.com/office/drawing/2014/main" id="{29FDB030-9B49-4CED-8CCD-4D99382388AC}"/>
+              </a:ext>
+              <a:ext uri="{C183D7F6-B498-43B3-948B-1728B52AA6E4}">
+                <adec:decorative xmlns:adec="http://schemas.microsoft.com/office/drawing/2017/decorative" val="1"/>
+              </a:ext>
+            </a:extLst>
+          </p:cNvPr>
+          <p:cNvSpPr>
+            <a:spLocks noGrp="1" noRot="1" noChangeAspect="1" noMove="1" noResize="1" noEditPoints="1" noAdjustHandles="1" noChangeArrowheads="1" noChangeShapeType="1" noTextEdit="1"/>
+          </p:cNvSpPr>
+          <p:nvPr>
+            <p:extLst>
+              <p:ext uri="{386F3935-93C4-4BCD-93E2-E3B085C9AB24}">
+                <p16:designElem xmlns:p16="http://schemas.microsoft.com/office/powerpoint/2015/main" val="1"/>
+              </p:ext>
+            </p:extLst>
+          </p:nvPr>
+        </p:nvSpPr>
+        <p:spPr>
+          <a:xfrm rot="18900000" flipH="1">
+            <a:off x="891641" y="422146"/>
+            <a:ext cx="645368" cy="645368"/>
+          </a:xfrm>
+          <a:prstGeom prst="rect">
+            <a:avLst/>
+          </a:prstGeom>
+          <a:solidFill>
+            <a:schemeClr val="accent1">
+              <a:alpha val="30000"/>
+            </a:schemeClr>
+          </a:solidFill>
+          <a:ln>
+            <a:noFill/>
+          </a:ln>
+        </p:spPr>
+        <p:style>
+          <a:lnRef idx="2">
+            <a:schemeClr val="accent1">
+              <a:shade val="50000"/>
+            </a:schemeClr>
+          </a:lnRef>
+          <a:fillRef idx="1">
+            <a:schemeClr val="accent1"/>
+          </a:fillRef>
+          <a:effectRef idx="0">
+            <a:schemeClr val="accent1"/>
+          </a:effectRef>
+          <a:fontRef idx="minor">
+            <a:schemeClr val="lt1"/>
+          </a:fontRef>
+        </p:style>
+        <p:txBody>
+          <a:bodyPr rtlCol="0" anchor="ctr"/>
+          <a:lstStyle/>
+          <a:p>
+            <a:pPr algn="ctr"/>
+            <a:endParaRPr lang="en-US"/>
+          </a:p>
+        </p:txBody>
+      </p:sp>
+      <p:sp>
+        <p:nvSpPr>
+          <p:cNvPr id="13" name="Rectangle 12">
+            <a:extLst>
+              <a:ext uri="{FF2B5EF4-FFF2-40B4-BE49-F238E27FC236}">
+                <a16:creationId xmlns:a16="http://schemas.microsoft.com/office/drawing/2014/main" id="{3783CA14-24A1-485C-8B30-D6A5D87987AD}"/>
+              </a:ext>
+              <a:ext uri="{C183D7F6-B498-43B3-948B-1728B52AA6E4}">
+                <adec:decorative xmlns:adec="http://schemas.microsoft.com/office/drawing/2017/decorative" val="1"/>
+              </a:ext>
+            </a:extLst>
+          </p:cNvPr>
+          <p:cNvSpPr>
+            <a:spLocks noGrp="1" noRot="1" noChangeAspect="1" noMove="1" noResize="1" noEditPoints="1" noAdjustHandles="1" noChangeArrowheads="1" noChangeShapeType="1" noTextEdit="1"/>
+          </p:cNvSpPr>
+          <p:nvPr>
+            <p:extLst>
+              <p:ext uri="{386F3935-93C4-4BCD-93E2-E3B085C9AB24}">
+                <p16:designElem xmlns:p16="http://schemas.microsoft.com/office/powerpoint/2015/main" val="1"/>
+              </p:ext>
+            </p:extLst>
+          </p:nvPr>
+        </p:nvSpPr>
+        <p:spPr>
+          <a:xfrm rot="18900000" flipH="1">
+            <a:off x="10043482" y="655140"/>
+            <a:ext cx="687472" cy="687472"/>
+          </a:xfrm>
+          <a:prstGeom prst="rect">
+            <a:avLst/>
+          </a:prstGeom>
+          <a:solidFill>
+            <a:schemeClr val="accent4">
+              <a:alpha val="30000"/>
+            </a:schemeClr>
+          </a:solidFill>
+          <a:ln>
+            <a:noFill/>
+          </a:ln>
+        </p:spPr>
+        <p:style>
+          <a:lnRef idx="2">
+            <a:schemeClr val="accent1">
+              <a:shade val="50000"/>
+            </a:schemeClr>
+          </a:lnRef>
+          <a:fillRef idx="1">
+            <a:schemeClr val="accent1"/>
+          </a:fillRef>
+          <a:effectRef idx="0">
+            <a:schemeClr val="accent1"/>
+          </a:effectRef>
+          <a:fontRef idx="minor">
+            <a:schemeClr val="lt1"/>
+          </a:fontRef>
+        </p:style>
+        <p:txBody>
+          <a:bodyPr rtlCol="0" anchor="ctr"/>
+          <a:lstStyle/>
+          <a:p>
+            <a:pPr algn="ctr"/>
+            <a:endParaRPr lang="en-US"/>
+          </a:p>
+        </p:txBody>
+      </p:sp>
+      <p:sp>
+        <p:nvSpPr>
+          <p:cNvPr id="15" name="Freeform: Shape 14">
+            <a:extLst>
+              <a:ext uri="{FF2B5EF4-FFF2-40B4-BE49-F238E27FC236}">
+                <a16:creationId xmlns:a16="http://schemas.microsoft.com/office/drawing/2014/main" id="{9A97C86A-04D6-40F7-AE84-31AB43E6A846}"/>
+              </a:ext>
+              <a:ext uri="{C183D7F6-B498-43B3-948B-1728B52AA6E4}">
+                <adec:decorative xmlns:adec="http://schemas.microsoft.com/office/drawing/2017/decorative" val="1"/>
+              </a:ext>
+            </a:extLst>
+          </p:cNvPr>
+          <p:cNvSpPr>
+            <a:spLocks noGrp="1" noRot="1" noChangeAspect="1" noMove="1" noResize="1" noEditPoints="1" noAdjustHandles="1" noChangeArrowheads="1" noChangeShapeType="1" noTextEdit="1"/>
+          </p:cNvSpPr>
+          <p:nvPr>
+            <p:extLst>
+              <p:ext uri="{386F3935-93C4-4BCD-93E2-E3B085C9AB24}">
+                <p16:designElem xmlns:p16="http://schemas.microsoft.com/office/powerpoint/2015/main" val="1"/>
+              </p:ext>
+            </p:extLst>
+          </p:nvPr>
+        </p:nvSpPr>
+        <p:spPr>
+          <a:xfrm rot="10800000" flipH="1">
+            <a:off x="9356643" y="0"/>
+            <a:ext cx="2835357" cy="1480837"/>
+          </a:xfrm>
+          <a:custGeom>
+            <a:avLst/>
+            <a:gdLst>
+              <a:gd name="connsiteX0" fmla="*/ 2835357 w 2835357"/>
+              <a:gd name="connsiteY0" fmla="*/ 1480837 h 1480837"/>
+              <a:gd name="connsiteX1" fmla="*/ 0 w 2835357"/>
+              <a:gd name="connsiteY1" fmla="*/ 1480837 h 1480837"/>
+              <a:gd name="connsiteX2" fmla="*/ 1552727 w 2835357"/>
+              <a:gd name="connsiteY2" fmla="*/ 0 h 1480837"/>
+              <a:gd name="connsiteX3" fmla="*/ 2835357 w 2835357"/>
+              <a:gd name="connsiteY3" fmla="*/ 1223245 h 1480837"/>
+            </a:gdLst>
+            <a:ahLst/>
+            <a:cxnLst>
+              <a:cxn ang="0">
+                <a:pos x="connsiteX0" y="connsiteY0"/>
+              </a:cxn>
+              <a:cxn ang="0">
+                <a:pos x="connsiteX1" y="connsiteY1"/>
+              </a:cxn>
+              <a:cxn ang="0">
+                <a:pos x="connsiteX2" y="connsiteY2"/>
+              </a:cxn>
+              <a:cxn ang="0">
+                <a:pos x="connsiteX3" y="connsiteY3"/>
+              </a:cxn>
+            </a:cxnLst>
+            <a:rect l="l" t="t" r="r" b="b"/>
+            <a:pathLst>
+              <a:path w="2835357" h="1480837">
+                <a:moveTo>
+                  <a:pt x="2835357" y="1480837"/>
+                </a:moveTo>
+                <a:lnTo>
+                  <a:pt x="0" y="1480837"/>
+                </a:lnTo>
+                <a:lnTo>
+                  <a:pt x="1552727" y="0"/>
+                </a:lnTo>
+                <a:lnTo>
+                  <a:pt x="2835357" y="1223245"/>
+                </a:lnTo>
+                <a:close/>
+              </a:path>
+            </a:pathLst>
+          </a:custGeom>
+          <a:solidFill>
+            <a:schemeClr val="accent4">
+              <a:alpha val="30000"/>
+            </a:schemeClr>
+          </a:solidFill>
+          <a:ln>
+            <a:noFill/>
+          </a:ln>
+        </p:spPr>
+        <p:style>
+          <a:lnRef idx="2">
+            <a:schemeClr val="accent1">
+              <a:shade val="50000"/>
+            </a:schemeClr>
+          </a:lnRef>
+          <a:fillRef idx="1">
+            <a:schemeClr val="accent1"/>
+          </a:fillRef>
+          <a:effectRef idx="0">
+            <a:schemeClr val="accent1"/>
+          </a:effectRef>
+          <a:fontRef idx="minor">
+            <a:schemeClr val="lt1"/>
+          </a:fontRef>
+        </p:style>
+        <p:txBody>
+          <a:bodyPr wrap="square" rtlCol="0" anchor="ctr">
+            <a:noAutofit/>
+          </a:bodyPr>
+          <a:lstStyle/>
+          <a:p>
+            <a:pPr algn="ctr"/>
+            <a:endParaRPr lang="en-US" dirty="0"/>
+          </a:p>
+        </p:txBody>
+      </p:sp>
+      <p:sp>
+        <p:nvSpPr>
+          <p:cNvPr id="17" name="Isosceles Triangle 16">
+            <a:extLst>
+              <a:ext uri="{FF2B5EF4-FFF2-40B4-BE49-F238E27FC236}">
+                <a16:creationId xmlns:a16="http://schemas.microsoft.com/office/drawing/2014/main" id="{FF9F2414-84E8-453E-B1F3-389FDE8192D9}"/>
+              </a:ext>
+              <a:ext uri="{C183D7F6-B498-43B3-948B-1728B52AA6E4}">
+                <adec:decorative xmlns:adec="http://schemas.microsoft.com/office/drawing/2017/decorative" val="1"/>
+              </a:ext>
+            </a:extLst>
+          </p:cNvPr>
+          <p:cNvSpPr>
+            <a:spLocks noGrp="1" noRot="1" noChangeAspect="1" noMove="1" noResize="1" noEditPoints="1" noAdjustHandles="1" noChangeArrowheads="1" noChangeShapeType="1" noTextEdit="1"/>
+          </p:cNvSpPr>
+          <p:nvPr>
+            <p:extLst>
+              <p:ext uri="{386F3935-93C4-4BCD-93E2-E3B085C9AB24}">
+                <p16:designElem xmlns:p16="http://schemas.microsoft.com/office/powerpoint/2015/main" val="1"/>
+              </p:ext>
+            </p:extLst>
+          </p:nvPr>
+        </p:nvSpPr>
+        <p:spPr>
+          <a:xfrm flipH="1">
+            <a:off x="7976344" y="6115501"/>
+            <a:ext cx="1494513" cy="742499"/>
+          </a:xfrm>
+          <a:prstGeom prst="triangle">
+            <a:avLst/>
+          </a:prstGeom>
+          <a:solidFill>
+            <a:schemeClr val="accent1">
+              <a:alpha val="30000"/>
+            </a:schemeClr>
+          </a:solidFill>
+          <a:ln>
+            <a:noFill/>
+          </a:ln>
+        </p:spPr>
+        <p:style>
+          <a:lnRef idx="2">
+            <a:schemeClr val="accent1">
+              <a:shade val="50000"/>
+            </a:schemeClr>
+          </a:lnRef>
+          <a:fillRef idx="1">
+            <a:schemeClr val="accent1"/>
+          </a:fillRef>
+          <a:effectRef idx="0">
+            <a:schemeClr val="accent1"/>
+          </a:effectRef>
+          <a:fontRef idx="minor">
+            <a:schemeClr val="lt1"/>
+          </a:fontRef>
+        </p:style>
+        <p:txBody>
+          <a:bodyPr rtlCol="0" anchor="ctr"/>
+          <a:lstStyle/>
+          <a:p>
+            <a:pPr algn="ctr"/>
+            <a:endParaRPr lang="en-US"/>
+          </a:p>
+        </p:txBody>
+      </p:sp>
       <p:pic>
         <p:nvPicPr>
-          <p:cNvPr id="5122" name="Picture 2" descr="An image showing the primary resources and relationships that are part of the graph">
+          <p:cNvPr id="2" name="Picture 1">
             <a:extLst>
               <a:ext uri="{FF2B5EF4-FFF2-40B4-BE49-F238E27FC236}">
-                <a16:creationId xmlns:a16="http://schemas.microsoft.com/office/drawing/2014/main" id="{328F942F-9559-4257-8241-5D3CA8094ED0}"/>
+                <a16:creationId xmlns:a16="http://schemas.microsoft.com/office/drawing/2014/main" id="{51F39AA1-4B19-4C58-BB46-6B666C876AF0}"/>
               </a:ext>
             </a:extLst>
           </p:cNvPr>
           <p:cNvPicPr>
-            <a:picLocks noChangeAspect="1" noChangeArrowheads="1"/>
+            <a:picLocks noChangeAspect="1"/>
           </p:cNvPicPr>
           <p:nvPr/>
         </p:nvPicPr>
         <p:blipFill>
-          <a:blip r:embed="rId2">
-            <a:extLst>
-              <a:ext uri="{28A0092B-C50C-407E-A947-70E740481C1C}">
-                <a14:useLocalDpi xmlns:a14="http://schemas.microsoft.com/office/drawing/2010/main" val="0"/>
-              </a:ext>
-            </a:extLst>
-          </a:blip>
-          <a:srcRect/>
+          <a:blip r:embed="rId2"/>
           <a:stretch>
             <a:fillRect/>
           </a:stretch>
         </p:blipFill>
-        <p:spPr bwMode="auto">
+        <p:spPr>
           <a:xfrm>
-            <a:off x="1940560" y="2267903"/>
-            <a:ext cx="7620000" cy="3724275"/>
+            <a:off x="643467" y="1098042"/>
+            <a:ext cx="10905066" cy="4661914"/>
           </a:xfrm>
           <a:prstGeom prst="rect">
             <a:avLst/>
           </a:prstGeom>
-          <a:noFill/>
-          <a:extLst>
-            <a:ext uri="{909E8E84-426E-40DD-AFC4-6F175D3DCCD1}">
-              <a14:hiddenFill xmlns:a14="http://schemas.microsoft.com/office/drawing/2010/main">
-                <a:solidFill>
-                  <a:srgbClr val="FFFFFF"/>
-                </a:solidFill>
-              </a14:hiddenFill>
-            </a:ext>
-          </a:extLst>
+          <a:ln>
+            <a:noFill/>
+          </a:ln>
         </p:spPr>
       </p:pic>
       <p:sp>
         <p:nvSpPr>
-          <p:cNvPr id="5" name="TextBox 4">
+          <p:cNvPr id="19" name="Isosceles Triangle 18">
             <a:extLst>
               <a:ext uri="{FF2B5EF4-FFF2-40B4-BE49-F238E27FC236}">
-                <a16:creationId xmlns:a16="http://schemas.microsoft.com/office/drawing/2014/main" id="{9F8C75CD-2B0D-4E18-8BFA-391E8C846393}"/>
+                <a16:creationId xmlns:a16="http://schemas.microsoft.com/office/drawing/2014/main" id="{3ECA69A1-7536-43AC-85EF-C7106179F5ED}"/>
+              </a:ext>
+              <a:ext uri="{C183D7F6-B498-43B3-948B-1728B52AA6E4}">
+                <adec:decorative xmlns:adec="http://schemas.microsoft.com/office/drawing/2017/decorative" val="1"/>
               </a:ext>
             </a:extLst>
           </p:cNvPr>
-          <p:cNvSpPr txBox="1"/>
+          <p:cNvSpPr>
+            <a:spLocks noGrp="1" noRot="1" noChangeAspect="1" noMove="1" noResize="1" noEditPoints="1" noAdjustHandles="1" noChangeArrowheads="1" noChangeShapeType="1" noTextEdit="1"/>
+          </p:cNvSpPr>
+          <p:nvPr>
+            <p:extLst>
+              <p:ext uri="{386F3935-93C4-4BCD-93E2-E3B085C9AB24}">
+                <p16:designElem xmlns:p16="http://schemas.microsoft.com/office/powerpoint/2015/main" val="1"/>
+              </p:ext>
+            </p:extLst>
+          </p:nvPr>
+        </p:nvSpPr>
+        <p:spPr>
+          <a:xfrm flipH="1">
+            <a:off x="7604080" y="6453143"/>
+            <a:ext cx="814903" cy="404857"/>
+          </a:xfrm>
+          <a:prstGeom prst="triangle">
+            <a:avLst/>
+          </a:prstGeom>
+          <a:solidFill>
+            <a:schemeClr val="accent1">
+              <a:alpha val="30000"/>
+            </a:schemeClr>
+          </a:solidFill>
+          <a:ln>
+            <a:noFill/>
+          </a:ln>
+        </p:spPr>
+        <p:style>
+          <a:lnRef idx="2">
+            <a:schemeClr val="accent1">
+              <a:shade val="50000"/>
+            </a:schemeClr>
+          </a:lnRef>
+          <a:fillRef idx="1">
+            <a:schemeClr val="accent1"/>
+          </a:fillRef>
+          <a:effectRef idx="0">
+            <a:schemeClr val="accent1"/>
+          </a:effectRef>
+          <a:fontRef idx="minor">
+            <a:schemeClr val="lt1"/>
+          </a:fontRef>
+        </p:style>
+        <p:txBody>
+          <a:bodyPr rtlCol="0" anchor="ctr"/>
+          <a:lstStyle/>
+          <a:p>
+            <a:pPr algn="ctr"/>
+            <a:endParaRPr lang="en-US"/>
+          </a:p>
+        </p:txBody>
+      </p:sp>
+      <p:sp>
+        <p:nvSpPr>
+          <p:cNvPr id="10" name="Title 1">
+            <a:extLst>
+              <a:ext uri="{FF2B5EF4-FFF2-40B4-BE49-F238E27FC236}">
+                <a16:creationId xmlns:a16="http://schemas.microsoft.com/office/drawing/2014/main" id="{2B571CD6-C910-44A5-840C-C9FB5E8D0F23}"/>
+              </a:ext>
+            </a:extLst>
+          </p:cNvPr>
+          <p:cNvSpPr txBox="1">
+            <a:spLocks/>
+          </p:cNvSpPr>
           <p:nvPr/>
         </p:nvSpPr>
         <p:spPr>
           <a:xfrm>
-            <a:off x="0" y="-10160"/>
-            <a:ext cx="10134060" cy="913007"/>
+            <a:off x="702728" y="-1"/>
+            <a:ext cx="11489271" cy="1114425"/>
           </a:xfrm>
           <a:prstGeom prst="rect">
             <a:avLst/>
           </a:prstGeom>
-          <a:noFill/>
         </p:spPr>
         <p:txBody>
-          <a:bodyPr wrap="square" rtlCol="0">
-            <a:spAutoFit/>
+          <a:bodyPr>
+            <a:normAutofit/>
           </a:bodyPr>
-          <a:lstStyle/>
-          <a:p>
-            <a:r>
-              <a:rPr lang="en-US" sz="5333" b="1" dirty="0">
+          <a:lstStyle>
+            <a:lvl1pPr algn="l" defTabSz="914400" rtl="0" eaLnBrk="1" latinLnBrk="0" hangingPunct="1">
+              <a:lnSpc>
+                <a:spcPct val="90000"/>
+              </a:lnSpc>
+              <a:spcBef>
+                <a:spcPct val="0"/>
+              </a:spcBef>
+              <a:buNone/>
+              <a:defRPr sz="4400" kern="1200">
+                <a:solidFill>
+                  <a:schemeClr val="tx1"/>
+                </a:solidFill>
+                <a:latin typeface="+mj-lt"/>
+                <a:ea typeface="+mj-ea"/>
+                <a:cs typeface="+mj-cs"/>
+              </a:defRPr>
+            </a:lvl1pPr>
+          </a:lstStyle>
+          <a:p>
+            <a:pPr algn="ctr"/>
+            <a:r>
+              <a:rPr lang="en-US" sz="4000" b="1" dirty="0">
                 <a:solidFill>
                   <a:srgbClr val="124548"/>
                 </a:solidFill>
+                <a:latin typeface="Calibri" panose="020F0502020204030204"/>
+                <a:ea typeface="+mn-ea"/>
                 <a:cs typeface="Segoe UI" panose="020B0502040204020203" pitchFamily="34" charset="0"/>
               </a:rPr>
-              <a:t>Microsoft Graph API</a:t>
-            </a:r>
-          </a:p>
-        </p:txBody>
-      </p:sp>
-    </p:spTree>
-    <p:extLst>
-      <p:ext uri="{BB962C8B-B14F-4D97-AF65-F5344CB8AC3E}">
-        <p14:creationId xmlns:p14="http://schemas.microsoft.com/office/powerpoint/2010/main" val="2284482330"/>
-      </p:ext>
-    </p:extLst>
-  </p:cSld>
-  <p:clrMapOvr>
-    <a:masterClrMapping/>
-  </p:clrMapOvr>
-</p:sld>
-</file>
-
-<file path=ppt/slides/slide14.xml><?xml version="1.0" encoding="utf-8"?>
-<p:sld xmlns:a="http://schemas.openxmlformats.org/drawingml/2006/main" xmlns:r="http://schemas.openxmlformats.org/officeDocument/2006/relationships" xmlns:p="http://schemas.openxmlformats.org/presentationml/2006/main">
-  <p:cSld>
-    <p:spTree>
-      <p:nvGrpSpPr>
-        <p:cNvPr id="1" name="Shape 53"/>
-        <p:cNvGrpSpPr/>
-        <p:nvPr/>
-      </p:nvGrpSpPr>
-      <p:grpSpPr>
-        <a:xfrm>
-          <a:off x="0" y="0"/>
-          <a:ext cx="0" cy="0"/>
-          <a:chOff x="0" y="0"/>
-          <a:chExt cx="0" cy="0"/>
-        </a:xfrm>
-      </p:grpSpPr>
-      <p:sp>
-        <p:nvSpPr>
-          <p:cNvPr id="6" name="TextBox 5"/>
-          <p:cNvSpPr txBox="1"/>
-          <p:nvPr/>
-        </p:nvSpPr>
-        <p:spPr>
-          <a:xfrm>
-            <a:off x="0" y="-10160"/>
-            <a:ext cx="10134060" cy="913007"/>
-          </a:xfrm>
-          <a:prstGeom prst="rect">
-            <a:avLst/>
-          </a:prstGeom>
-          <a:noFill/>
-        </p:spPr>
-        <p:txBody>
-          <a:bodyPr wrap="square" rtlCol="0">
-            <a:spAutoFit/>
-          </a:bodyPr>
-          <a:lstStyle/>
-          <a:p>
-            <a:r>
-              <a:rPr lang="en-US" sz="5333" b="1" dirty="0">
-                <a:solidFill>
-                  <a:srgbClr val="124548"/>
-                </a:solidFill>
-                <a:cs typeface="Segoe UI" panose="020B0502040204020203" pitchFamily="34" charset="0"/>
-              </a:rPr>
-              <a:t>Microsoft Teams – Graph API</a:t>
-            </a:r>
-          </a:p>
-        </p:txBody>
-      </p:sp>
-      <p:sp>
-        <p:nvSpPr>
-          <p:cNvPr id="2" name="Rectangle 1">
+              <a:t>Microsoft Teams License</a:t>
+            </a:r>
+          </a:p>
+        </p:txBody>
+      </p:sp>
+      <p:sp>
+        <p:nvSpPr>
+          <p:cNvPr id="3" name="Rectangle 2">
             <a:extLst>
               <a:ext uri="{FF2B5EF4-FFF2-40B4-BE49-F238E27FC236}">
-                <a16:creationId xmlns:a16="http://schemas.microsoft.com/office/drawing/2014/main" id="{0E1B6894-E9BB-4751-A0E6-AA781754DA80}"/>
+                <a16:creationId xmlns:a16="http://schemas.microsoft.com/office/drawing/2014/main" id="{AE3E882F-8B29-461E-BCD9-3A6E3ABC24BF}"/>
               </a:ext>
             </a:extLst>
           </p:cNvPr>
@@ -20354,8 +20956,8 @@
         </p:nvSpPr>
         <p:spPr>
           <a:xfrm>
-            <a:off x="970184" y="1442377"/>
-            <a:ext cx="10644996" cy="2677656"/>
+            <a:off x="754040" y="5663130"/>
+            <a:ext cx="10312066" cy="369332"/>
           </a:xfrm>
           <a:prstGeom prst="rect">
             <a:avLst/>
@@ -20367,64 +20969,94 @@
           </a:bodyPr>
           <a:lstStyle/>
           <a:p>
-            <a:pPr marL="571500" indent="-571500">
-              <a:buFont typeface="Arial" panose="020B0604020202020204" pitchFamily="34" charset="0"/>
-              <a:buChar char="•"/>
-            </a:pPr>
-            <a:r>
-              <a:rPr lang="en-GB" sz="2800" dirty="0"/>
-              <a:t>Microsoft Graph API Explorer</a:t>
-            </a:r>
-          </a:p>
-          <a:p>
-            <a:pPr marL="1028700" lvl="1" indent="-571500">
-              <a:buFont typeface="Arial" panose="020B0604020202020204" pitchFamily="34" charset="0"/>
-              <a:buChar char="•"/>
-            </a:pPr>
-            <a:r>
-              <a:rPr lang="en-GB" sz="2800" dirty="0">
+            <a:r>
+              <a:rPr lang="en-GB" dirty="0">
                 <a:hlinkClick r:id="rId3"/>
               </a:rPr>
-              <a:t>https://developer.microsoft.com/en-us/graph/graph-explorer</a:t>
-            </a:r>
-            <a:endParaRPr lang="en-GB" sz="2800" dirty="0"/>
-          </a:p>
-          <a:p>
-            <a:pPr marL="1028700" lvl="1" indent="-571500">
-              <a:buFont typeface="Arial" panose="020B0604020202020204" pitchFamily="34" charset="0"/>
-              <a:buChar char="•"/>
-            </a:pPr>
-            <a:endParaRPr lang="en-GB" sz="2800" dirty="0"/>
-          </a:p>
-          <a:p>
-            <a:pPr marL="571500" indent="-571500">
-              <a:buFont typeface="Arial" panose="020B0604020202020204" pitchFamily="34" charset="0"/>
-              <a:buChar char="•"/>
-            </a:pPr>
-            <a:r>
-              <a:rPr lang="en-GB" sz="2800" dirty="0"/>
-              <a:t>Team Resources</a:t>
-            </a:r>
-          </a:p>
-          <a:p>
-            <a:pPr marL="1028700" lvl="1" indent="-571500">
-              <a:buFont typeface="Arial" panose="020B0604020202020204" pitchFamily="34" charset="0"/>
-              <a:buChar char="•"/>
-            </a:pPr>
-            <a:r>
-              <a:rPr lang="en-GB" sz="2800" dirty="0">
+              <a:t>https://www.microsoft.com/en-in/microsoft-365/microsoft-teams/compare-microsoft-teams-options</a:t>
+            </a:r>
+            <a:endParaRPr lang="en-GB" dirty="0"/>
+          </a:p>
+        </p:txBody>
+      </p:sp>
+      <p:sp>
+        <p:nvSpPr>
+          <p:cNvPr id="4" name="Rectangle 3">
+            <a:extLst>
+              <a:ext uri="{FF2B5EF4-FFF2-40B4-BE49-F238E27FC236}">
+                <a16:creationId xmlns:a16="http://schemas.microsoft.com/office/drawing/2014/main" id="{6CBBCA1A-B546-41FB-A987-0303649C8046}"/>
+              </a:ext>
+            </a:extLst>
+          </p:cNvPr>
+          <p:cNvSpPr/>
+          <p:nvPr/>
+        </p:nvSpPr>
+        <p:spPr>
+          <a:xfrm>
+            <a:off x="754039" y="6034380"/>
+            <a:ext cx="9686915" cy="369332"/>
+          </a:xfrm>
+          <a:prstGeom prst="rect">
+            <a:avLst/>
+          </a:prstGeom>
+        </p:spPr>
+        <p:txBody>
+          <a:bodyPr wrap="square">
+            <a:spAutoFit/>
+          </a:bodyPr>
+          <a:lstStyle/>
+          <a:p>
+            <a:r>
+              <a:rPr lang="en-GB" dirty="0">
                 <a:hlinkClick r:id="rId4"/>
               </a:rPr>
-              <a:t>https://docs.microsoft.com/en-us/graph/api/resources/team?view=graph-rest-1.0</a:t>
-            </a:r>
-            <a:endParaRPr lang="en-GB" sz="2800" dirty="0"/>
+              <a:t>https://www.microsoft.com/en-us/microsoft-365/microsoft-teams/compare-microsoft-teams-options</a:t>
+            </a:r>
+            <a:endParaRPr lang="en-GB" dirty="0"/>
+          </a:p>
+        </p:txBody>
+      </p:sp>
+      <p:sp>
+        <p:nvSpPr>
+          <p:cNvPr id="5" name="Rectangle 4">
+            <a:extLst>
+              <a:ext uri="{FF2B5EF4-FFF2-40B4-BE49-F238E27FC236}">
+                <a16:creationId xmlns:a16="http://schemas.microsoft.com/office/drawing/2014/main" id="{AE04453A-AFBC-443A-A555-E7000684D183}"/>
+              </a:ext>
+            </a:extLst>
+          </p:cNvPr>
+          <p:cNvSpPr/>
+          <p:nvPr/>
+        </p:nvSpPr>
+        <p:spPr>
+          <a:xfrm>
+            <a:off x="754037" y="6354970"/>
+            <a:ext cx="11319775" cy="369332"/>
+          </a:xfrm>
+          <a:prstGeom prst="rect">
+            <a:avLst/>
+          </a:prstGeom>
+        </p:spPr>
+        <p:txBody>
+          <a:bodyPr wrap="square">
+            <a:spAutoFit/>
+          </a:bodyPr>
+          <a:lstStyle/>
+          <a:p>
+            <a:r>
+              <a:rPr lang="en-GB" dirty="0">
+                <a:hlinkClick r:id="rId5"/>
+              </a:rPr>
+              <a:t>https://www.microsoft.com/en-in/microsoft-365/microsoft-teams/free#office-ContentAreaHeadingTemplate-dd899go</a:t>
+            </a:r>
+            <a:endParaRPr lang="en-GB" dirty="0"/>
           </a:p>
         </p:txBody>
       </p:sp>
     </p:spTree>
     <p:extLst>
       <p:ext uri="{BB962C8B-B14F-4D97-AF65-F5344CB8AC3E}">
-        <p14:creationId xmlns:p14="http://schemas.microsoft.com/office/powerpoint/2010/main" val="3865036969"/>
+        <p14:creationId xmlns:p14="http://schemas.microsoft.com/office/powerpoint/2010/main" val="2852191657"/>
       </p:ext>
     </p:extLst>
   </p:cSld>
@@ -24399,7 +25031,7 @@
           </a:ln>
           <a:extLst>
             <a:ext uri="{91240B29-F687-4f45-9708-019B960494DF}">
-              <a14:hiddenLine xmlns="" xmlns:a14="http://schemas.microsoft.com/office/drawing/2010/main" w="9525">
+              <a14:hiddenLine xmlns:a14="http://schemas.microsoft.com/office/drawing/2010/main" xmlns="" w="9525">
                 <a:solidFill>
                   <a:srgbClr val="000000"/>
                 </a:solidFill>
@@ -24651,7 +25283,7 @@
           </a:ln>
           <a:extLst>
             <a:ext uri="{91240B29-F687-4f45-9708-019B960494DF}">
-              <a14:hiddenLine xmlns="" xmlns:a14="http://schemas.microsoft.com/office/drawing/2010/main" w="9525">
+              <a14:hiddenLine xmlns:a14="http://schemas.microsoft.com/office/drawing/2010/main" xmlns="" w="9525">
                 <a:solidFill>
                   <a:srgbClr val="000000"/>
                 </a:solidFill>
@@ -26143,7 +26775,7 @@
           </a:ln>
           <a:extLst>
             <a:ext uri="{91240B29-F687-4f45-9708-019B960494DF}">
-              <a14:hiddenLine xmlns="" xmlns:a14="http://schemas.microsoft.com/office/drawing/2010/main" w="9525">
+              <a14:hiddenLine xmlns:a14="http://schemas.microsoft.com/office/drawing/2010/main" xmlns="" w="9525">
                 <a:solidFill>
                   <a:srgbClr val="000000"/>
                 </a:solidFill>
@@ -26365,7 +26997,7 @@
           </a:ln>
           <a:extLst>
             <a:ext uri="{91240B29-F687-4f45-9708-019B960494DF}">
-              <a14:hiddenLine xmlns="" xmlns:a14="http://schemas.microsoft.com/office/drawing/2010/main" w="9525">
+              <a14:hiddenLine xmlns:a14="http://schemas.microsoft.com/office/drawing/2010/main" xmlns="" w="9525">
                 <a:solidFill>
                   <a:srgbClr val="000000"/>
                 </a:solidFill>

--- a/MicrosoftTeams-Admin.pptx
+++ b/MicrosoftTeams-Admin.pptx
@@ -761,7 +761,7 @@
           <a:p>
             <a:fld id="{D18B56EA-E28F-4F92-9F16-7A6F2501B303}" type="datetime8">
               <a:rPr lang="en-US" smtClean="0"/>
-              <a:t>5/28/2020 2:13 AM</a:t>
+              <a:t>5/28/2020 9:28 AM</a:t>
             </a:fld>
             <a:endParaRPr lang="en-US"/>
           </a:p>
@@ -1224,7 +1224,7 @@
                 <a:tabLst/>
                 <a:defRPr/>
               </a:pPr>
-              <a:t>5/28/2020 2:13 AM</a:t>
+              <a:t>5/28/2020 9:28 AM</a:t>
             </a:fld>
             <a:endParaRPr kumimoji="0" lang="en-US" sz="1800" b="0" i="0" u="none" strike="noStrike" kern="0" cap="none" spc="0" normalizeH="0" baseline="0" noProof="0">
               <a:ln>
@@ -1721,7 +1721,7 @@
                 <a:tabLst/>
                 <a:defRPr/>
               </a:pPr>
-              <a:t>5/28/2020 2:13 AM</a:t>
+              <a:t>5/28/2020 9:28 AM</a:t>
             </a:fld>
             <a:endParaRPr kumimoji="0" lang="en-US" sz="1800" b="0" i="0" u="none" strike="noStrike" kern="0" cap="none" spc="0" normalizeH="0" baseline="0" noProof="0">
               <a:ln>
@@ -2126,7 +2126,7 @@
           <a:p>
             <a:fld id="{D18B56EA-E28F-4F92-9F16-7A6F2501B303}" type="datetime8">
               <a:rPr lang="en-US" smtClean="0"/>
-              <a:t>5/28/2020 2:13 AM</a:t>
+              <a:t>5/28/2020 9:28 AM</a:t>
             </a:fld>
             <a:endParaRPr lang="en-US"/>
           </a:p>
@@ -2700,7 +2700,7 @@
           <a:p>
             <a:fld id="{D18B56EA-E28F-4F92-9F16-7A6F2501B303}" type="datetime8">
               <a:rPr lang="en-US" smtClean="0"/>
-              <a:t>5/28/2020 2:13 AM</a:t>
+              <a:t>5/28/2020 9:28 AM</a:t>
             </a:fld>
             <a:endParaRPr lang="en-US"/>
           </a:p>
@@ -2873,7 +2873,7 @@
           <a:p>
             <a:fld id="{D18B56EA-E28F-4F92-9F16-7A6F2501B303}" type="datetime8">
               <a:rPr lang="en-US" smtClean="0"/>
-              <a:t>5/28/2020 2:13 AM</a:t>
+              <a:t>5/28/2020 9:28 AM</a:t>
             </a:fld>
             <a:endParaRPr lang="en-US"/>
           </a:p>
@@ -25031,7 +25031,7 @@
           </a:ln>
           <a:extLst>
             <a:ext uri="{91240B29-F687-4f45-9708-019B960494DF}">
-              <a14:hiddenLine xmlns:a14="http://schemas.microsoft.com/office/drawing/2010/main" xmlns="" w="9525">
+              <a14:hiddenLine xmlns="" xmlns:a14="http://schemas.microsoft.com/office/drawing/2010/main" w="9525">
                 <a:solidFill>
                   <a:srgbClr val="000000"/>
                 </a:solidFill>
@@ -25283,7 +25283,7 @@
           </a:ln>
           <a:extLst>
             <a:ext uri="{91240B29-F687-4f45-9708-019B960494DF}">
-              <a14:hiddenLine xmlns:a14="http://schemas.microsoft.com/office/drawing/2010/main" xmlns="" w="9525">
+              <a14:hiddenLine xmlns="" xmlns:a14="http://schemas.microsoft.com/office/drawing/2010/main" w="9525">
                 <a:solidFill>
                   <a:srgbClr val="000000"/>
                 </a:solidFill>
@@ -26775,7 +26775,7 @@
           </a:ln>
           <a:extLst>
             <a:ext uri="{91240B29-F687-4f45-9708-019B960494DF}">
-              <a14:hiddenLine xmlns:a14="http://schemas.microsoft.com/office/drawing/2010/main" xmlns="" w="9525">
+              <a14:hiddenLine xmlns="" xmlns:a14="http://schemas.microsoft.com/office/drawing/2010/main" w="9525">
                 <a:solidFill>
                   <a:srgbClr val="000000"/>
                 </a:solidFill>
@@ -26997,7 +26997,7 @@
           </a:ln>
           <a:extLst>
             <a:ext uri="{91240B29-F687-4f45-9708-019B960494DF}">
-              <a14:hiddenLine xmlns:a14="http://schemas.microsoft.com/office/drawing/2010/main" xmlns="" w="9525">
+              <a14:hiddenLine xmlns="" xmlns:a14="http://schemas.microsoft.com/office/drawing/2010/main" w="9525">
                 <a:solidFill>
                   <a:srgbClr val="000000"/>
                 </a:solidFill>
